--- a/slides/Welcome_23s2.pptx
+++ b/slides/Welcome_23s2.pptx
@@ -972,6 +972,22 @@
     </pc:docChg>
   </pc:docChgLst>
   <pc:docChgLst>
+    <pc:chgData name="Zhao Jin" userId="cd05a825-544c-438a-9ba1-08e63db50b47" providerId="ADAL" clId="{7D8AD74B-DC59-4BED-9CC2-92B47EF942DD}"/>
+    <pc:docChg chg="custSel modSld">
+      <pc:chgData name="Zhao Jin" userId="cd05a825-544c-438a-9ba1-08e63db50b47" providerId="ADAL" clId="{7D8AD74B-DC59-4BED-9CC2-92B47EF942DD}" dt="2024-01-16T04:34:24.376" v="1" actId="368"/>
+      <pc:docMkLst>
+        <pc:docMk/>
+      </pc:docMkLst>
+      <pc:sldChg chg="modNotes">
+        <pc:chgData name="Zhao Jin" userId="cd05a825-544c-438a-9ba1-08e63db50b47" providerId="ADAL" clId="{7D8AD74B-DC59-4BED-9CC2-92B47EF942DD}" dt="2024-01-16T04:34:24.376" v="1" actId="368"/>
+        <pc:sldMkLst>
+          <pc:docMk/>
+          <pc:sldMk cId="3113268795" sldId="471"/>
+        </pc:sldMkLst>
+      </pc:sldChg>
+    </pc:docChg>
+  </pc:docChgLst>
+  <pc:docChgLst>
     <pc:chgData name="Zhao Jin" userId="cd05a825-544c-438a-9ba1-08e63db50b47" providerId="ADAL" clId="{6A6ED7CE-E786-B145-9D8A-2B5B0926E748}"/>
     <pc:docChg chg="undo custSel modSld modMainMaster">
       <pc:chgData name="Zhao Jin" userId="cd05a825-544c-438a-9ba1-08e63db50b47" providerId="ADAL" clId="{6A6ED7CE-E786-B145-9D8A-2B5B0926E748}" dt="2023-12-29T06:15:06.739" v="746" actId="313"/>
@@ -2926,10 +2942,7 @@
           <a:lstStyle/>
           <a:p>
             <a:pPr eaLnBrk="1" hangingPunct="1"/>
-            <a:r>
-              <a:rPr lang="en-US" dirty="0"/>
-              <a:t>BUG: Screenshot</a:t>
-            </a:r>
+            <a:endParaRPr lang="en-US" dirty="0"/>
           </a:p>
         </p:txBody>
       </p:sp>
